--- a/ppt 16-9/0358.欢迎欢迎.pptx
+++ b/ppt 16-9/0358.欢迎欢迎.pptx
@@ -5,7 +5,7 @@
     <p:sldMasterId id="2147483648" r:id="rId1"/>
   </p:sldMasterIdLst>
   <p:sldIdLst>
-    <p:sldId id="3265" r:id="rId2"/>
+    <p:sldId id="3266" r:id="rId2"/>
   </p:sldIdLst>
   <p:sldSz cx="12192000" cy="6858000"/>
   <p:notesSz cx="6858000" cy="9144000"/>
@@ -129,7 +129,7 @@
           <p:cNvPr id="2" name="标题 1">
             <a:extLst>
               <a:ext uri="{FF2B5EF4-FFF2-40B4-BE49-F238E27FC236}">
-                <a16:creationId xmlns:a16="http://schemas.microsoft.com/office/drawing/2014/main" id="{B260AEFB-29ED-3B85-73FB-98D87BDC72DB}"/>
+                <a16:creationId xmlns:a16="http://schemas.microsoft.com/office/drawing/2014/main" id="{88A16AFB-0F14-FBF1-3C57-08C1765872AE}"/>
               </a:ext>
             </a:extLst>
           </p:cNvPr>
@@ -166,7 +166,7 @@
           <p:cNvPr id="3" name="副标题 2">
             <a:extLst>
               <a:ext uri="{FF2B5EF4-FFF2-40B4-BE49-F238E27FC236}">
-                <a16:creationId xmlns:a16="http://schemas.microsoft.com/office/drawing/2014/main" id="{E19B37CF-322E-14DB-542A-64AC4210F5CF}"/>
+                <a16:creationId xmlns:a16="http://schemas.microsoft.com/office/drawing/2014/main" id="{56868550-6C43-9E31-883D-29FF88B94BC0}"/>
               </a:ext>
             </a:extLst>
           </p:cNvPr>
@@ -236,7 +236,7 @@
           <p:cNvPr id="4" name="日期占位符 3">
             <a:extLst>
               <a:ext uri="{FF2B5EF4-FFF2-40B4-BE49-F238E27FC236}">
-                <a16:creationId xmlns:a16="http://schemas.microsoft.com/office/drawing/2014/main" id="{CFDBACAA-A0FD-8C87-14A7-C256385D26E2}"/>
+                <a16:creationId xmlns:a16="http://schemas.microsoft.com/office/drawing/2014/main" id="{3A462101-BD0A-6BD6-51B8-56BC6B064093}"/>
               </a:ext>
             </a:extLst>
           </p:cNvPr>
@@ -252,7 +252,7 @@
           <a:bodyPr/>
           <a:lstStyle/>
           <a:p>
-            <a:fld id="{60E3EE6E-C1CA-430B-9DB4-50C2B7C0EA87}" type="datetimeFigureOut">
+            <a:fld id="{1C38D296-3681-4B0B-B264-D7C99981520C}" type="datetimeFigureOut">
               <a:rPr lang="zh-CN" altLang="en-US" smtClean="0"/>
               <a:t>2024/3/10</a:t>
             </a:fld>
@@ -265,7 +265,7 @@
           <p:cNvPr id="5" name="页脚占位符 4">
             <a:extLst>
               <a:ext uri="{FF2B5EF4-FFF2-40B4-BE49-F238E27FC236}">
-                <a16:creationId xmlns:a16="http://schemas.microsoft.com/office/drawing/2014/main" id="{D29BB1F0-BA0E-A203-8419-05A48EEFA5DB}"/>
+                <a16:creationId xmlns:a16="http://schemas.microsoft.com/office/drawing/2014/main" id="{6AAC8784-64C5-BF54-31C5-22A6CF050BE1}"/>
               </a:ext>
             </a:extLst>
           </p:cNvPr>
@@ -290,7 +290,7 @@
           <p:cNvPr id="6" name="灯片编号占位符 5">
             <a:extLst>
               <a:ext uri="{FF2B5EF4-FFF2-40B4-BE49-F238E27FC236}">
-                <a16:creationId xmlns:a16="http://schemas.microsoft.com/office/drawing/2014/main" id="{6D27E41C-74A8-5C2B-7C44-011B7B9F1E80}"/>
+                <a16:creationId xmlns:a16="http://schemas.microsoft.com/office/drawing/2014/main" id="{E17BDA78-E2B5-AF47-1F33-E84398821D79}"/>
               </a:ext>
             </a:extLst>
           </p:cNvPr>
@@ -306,7 +306,7 @@
           <a:bodyPr/>
           <a:lstStyle/>
           <a:p>
-            <a:fld id="{B7404E4A-409E-4F9C-9012-71EF3A63D874}" type="slidenum">
+            <a:fld id="{F2858023-4AA0-46C9-A5EC-6F18F1709990}" type="slidenum">
               <a:rPr lang="zh-CN" altLang="en-US" smtClean="0"/>
               <a:t>‹#›</a:t>
             </a:fld>
@@ -317,7 +317,7 @@
     </p:spTree>
     <p:extLst>
       <p:ext uri="{BB962C8B-B14F-4D97-AF65-F5344CB8AC3E}">
-        <p14:creationId xmlns:p14="http://schemas.microsoft.com/office/powerpoint/2010/main" val="4054546909"/>
+        <p14:creationId xmlns:p14="http://schemas.microsoft.com/office/powerpoint/2010/main" val="2027367412"/>
       </p:ext>
     </p:extLst>
   </p:cSld>
@@ -349,7 +349,7 @@
           <p:cNvPr id="2" name="标题 1">
             <a:extLst>
               <a:ext uri="{FF2B5EF4-FFF2-40B4-BE49-F238E27FC236}">
-                <a16:creationId xmlns:a16="http://schemas.microsoft.com/office/drawing/2014/main" id="{75C8F731-98F1-29F9-A377-9FA1DBC5EA9D}"/>
+                <a16:creationId xmlns:a16="http://schemas.microsoft.com/office/drawing/2014/main" id="{A01D4C85-3155-16F7-4B48-3FA9F319C1D7}"/>
               </a:ext>
             </a:extLst>
           </p:cNvPr>
@@ -377,7 +377,7 @@
           <p:cNvPr id="3" name="竖排文字占位符 2">
             <a:extLst>
               <a:ext uri="{FF2B5EF4-FFF2-40B4-BE49-F238E27FC236}">
-                <a16:creationId xmlns:a16="http://schemas.microsoft.com/office/drawing/2014/main" id="{17F2EC7B-AF3C-9FF1-C9FD-C6085192EF8E}"/>
+                <a16:creationId xmlns:a16="http://schemas.microsoft.com/office/drawing/2014/main" id="{1D01F7AD-4C58-990A-6647-54B862368BE0}"/>
               </a:ext>
             </a:extLst>
           </p:cNvPr>
@@ -434,7 +434,7 @@
           <p:cNvPr id="4" name="日期占位符 3">
             <a:extLst>
               <a:ext uri="{FF2B5EF4-FFF2-40B4-BE49-F238E27FC236}">
-                <a16:creationId xmlns:a16="http://schemas.microsoft.com/office/drawing/2014/main" id="{2C71F1D9-D268-AF4B-9071-3D105879D34C}"/>
+                <a16:creationId xmlns:a16="http://schemas.microsoft.com/office/drawing/2014/main" id="{4095BF12-AFFC-6CDC-E45D-4B49BAC2EAAE}"/>
               </a:ext>
             </a:extLst>
           </p:cNvPr>
@@ -450,7 +450,7 @@
           <a:bodyPr/>
           <a:lstStyle/>
           <a:p>
-            <a:fld id="{60E3EE6E-C1CA-430B-9DB4-50C2B7C0EA87}" type="datetimeFigureOut">
+            <a:fld id="{1C38D296-3681-4B0B-B264-D7C99981520C}" type="datetimeFigureOut">
               <a:rPr lang="zh-CN" altLang="en-US" smtClean="0"/>
               <a:t>2024/3/10</a:t>
             </a:fld>
@@ -463,7 +463,7 @@
           <p:cNvPr id="5" name="页脚占位符 4">
             <a:extLst>
               <a:ext uri="{FF2B5EF4-FFF2-40B4-BE49-F238E27FC236}">
-                <a16:creationId xmlns:a16="http://schemas.microsoft.com/office/drawing/2014/main" id="{BB38E74E-6B28-2D78-F6BF-CDBF731075A6}"/>
+                <a16:creationId xmlns:a16="http://schemas.microsoft.com/office/drawing/2014/main" id="{D2D13A5B-7FA0-0E3B-5242-5F9BB9304291}"/>
               </a:ext>
             </a:extLst>
           </p:cNvPr>
@@ -488,7 +488,7 @@
           <p:cNvPr id="6" name="灯片编号占位符 5">
             <a:extLst>
               <a:ext uri="{FF2B5EF4-FFF2-40B4-BE49-F238E27FC236}">
-                <a16:creationId xmlns:a16="http://schemas.microsoft.com/office/drawing/2014/main" id="{8FE8CB44-8360-CC4F-FD6A-396F0A2AC2AA}"/>
+                <a16:creationId xmlns:a16="http://schemas.microsoft.com/office/drawing/2014/main" id="{E2A76095-5777-2B5E-928D-C6A7B591FF83}"/>
               </a:ext>
             </a:extLst>
           </p:cNvPr>
@@ -504,7 +504,7 @@
           <a:bodyPr/>
           <a:lstStyle/>
           <a:p>
-            <a:fld id="{B7404E4A-409E-4F9C-9012-71EF3A63D874}" type="slidenum">
+            <a:fld id="{F2858023-4AA0-46C9-A5EC-6F18F1709990}" type="slidenum">
               <a:rPr lang="zh-CN" altLang="en-US" smtClean="0"/>
               <a:t>‹#›</a:t>
             </a:fld>
@@ -515,7 +515,7 @@
     </p:spTree>
     <p:extLst>
       <p:ext uri="{BB962C8B-B14F-4D97-AF65-F5344CB8AC3E}">
-        <p14:creationId xmlns:p14="http://schemas.microsoft.com/office/powerpoint/2010/main" val="1260497979"/>
+        <p14:creationId xmlns:p14="http://schemas.microsoft.com/office/powerpoint/2010/main" val="3787464482"/>
       </p:ext>
     </p:extLst>
   </p:cSld>
@@ -547,7 +547,7 @@
           <p:cNvPr id="2" name="竖排标题 1">
             <a:extLst>
               <a:ext uri="{FF2B5EF4-FFF2-40B4-BE49-F238E27FC236}">
-                <a16:creationId xmlns:a16="http://schemas.microsoft.com/office/drawing/2014/main" id="{B29DAF9F-DD46-9F7E-A56F-2DEEF308D4AC}"/>
+                <a16:creationId xmlns:a16="http://schemas.microsoft.com/office/drawing/2014/main" id="{1DA9D91B-4D04-D2A2-2878-4148D1D7BCE0}"/>
               </a:ext>
             </a:extLst>
           </p:cNvPr>
@@ -580,7 +580,7 @@
           <p:cNvPr id="3" name="竖排文字占位符 2">
             <a:extLst>
               <a:ext uri="{FF2B5EF4-FFF2-40B4-BE49-F238E27FC236}">
-                <a16:creationId xmlns:a16="http://schemas.microsoft.com/office/drawing/2014/main" id="{86D7403F-F6ED-30BB-A9D8-34CE96C35A1F}"/>
+                <a16:creationId xmlns:a16="http://schemas.microsoft.com/office/drawing/2014/main" id="{4F8A45F2-A844-68DF-3C4B-E6502FE830C7}"/>
               </a:ext>
             </a:extLst>
           </p:cNvPr>
@@ -642,7 +642,7 @@
           <p:cNvPr id="4" name="日期占位符 3">
             <a:extLst>
               <a:ext uri="{FF2B5EF4-FFF2-40B4-BE49-F238E27FC236}">
-                <a16:creationId xmlns:a16="http://schemas.microsoft.com/office/drawing/2014/main" id="{67A25590-1E61-8463-ACE8-97B345D13E8F}"/>
+                <a16:creationId xmlns:a16="http://schemas.microsoft.com/office/drawing/2014/main" id="{35A3607A-D960-0FB7-D925-C9E31109FDD0}"/>
               </a:ext>
             </a:extLst>
           </p:cNvPr>
@@ -658,7 +658,7 @@
           <a:bodyPr/>
           <a:lstStyle/>
           <a:p>
-            <a:fld id="{60E3EE6E-C1CA-430B-9DB4-50C2B7C0EA87}" type="datetimeFigureOut">
+            <a:fld id="{1C38D296-3681-4B0B-B264-D7C99981520C}" type="datetimeFigureOut">
               <a:rPr lang="zh-CN" altLang="en-US" smtClean="0"/>
               <a:t>2024/3/10</a:t>
             </a:fld>
@@ -671,7 +671,7 @@
           <p:cNvPr id="5" name="页脚占位符 4">
             <a:extLst>
               <a:ext uri="{FF2B5EF4-FFF2-40B4-BE49-F238E27FC236}">
-                <a16:creationId xmlns:a16="http://schemas.microsoft.com/office/drawing/2014/main" id="{D42B4FC2-27DF-8786-D36A-33C337C82205}"/>
+                <a16:creationId xmlns:a16="http://schemas.microsoft.com/office/drawing/2014/main" id="{D13997A7-0069-39CA-2193-5CE87826815C}"/>
               </a:ext>
             </a:extLst>
           </p:cNvPr>
@@ -696,7 +696,7 @@
           <p:cNvPr id="6" name="灯片编号占位符 5">
             <a:extLst>
               <a:ext uri="{FF2B5EF4-FFF2-40B4-BE49-F238E27FC236}">
-                <a16:creationId xmlns:a16="http://schemas.microsoft.com/office/drawing/2014/main" id="{E7D889D5-F90C-542E-22D1-7E4DA04DDBE7}"/>
+                <a16:creationId xmlns:a16="http://schemas.microsoft.com/office/drawing/2014/main" id="{2A667873-FBBF-716C-C3D0-8D1E3600A468}"/>
               </a:ext>
             </a:extLst>
           </p:cNvPr>
@@ -712,7 +712,7 @@
           <a:bodyPr/>
           <a:lstStyle/>
           <a:p>
-            <a:fld id="{B7404E4A-409E-4F9C-9012-71EF3A63D874}" type="slidenum">
+            <a:fld id="{F2858023-4AA0-46C9-A5EC-6F18F1709990}" type="slidenum">
               <a:rPr lang="zh-CN" altLang="en-US" smtClean="0"/>
               <a:t>‹#›</a:t>
             </a:fld>
@@ -723,7 +723,7 @@
     </p:spTree>
     <p:extLst>
       <p:ext uri="{BB962C8B-B14F-4D97-AF65-F5344CB8AC3E}">
-        <p14:creationId xmlns:p14="http://schemas.microsoft.com/office/powerpoint/2010/main" val="2853220974"/>
+        <p14:creationId xmlns:p14="http://schemas.microsoft.com/office/powerpoint/2010/main" val="3150439210"/>
       </p:ext>
     </p:extLst>
   </p:cSld>
@@ -755,7 +755,7 @@
           <p:cNvPr id="2" name="标题 1">
             <a:extLst>
               <a:ext uri="{FF2B5EF4-FFF2-40B4-BE49-F238E27FC236}">
-                <a16:creationId xmlns:a16="http://schemas.microsoft.com/office/drawing/2014/main" id="{785CEC34-0E9B-047F-E049-354AD8A7E15D}"/>
+                <a16:creationId xmlns:a16="http://schemas.microsoft.com/office/drawing/2014/main" id="{DD386E32-51B3-2CB5-F423-889FF36C1687}"/>
               </a:ext>
             </a:extLst>
           </p:cNvPr>
@@ -783,7 +783,7 @@
           <p:cNvPr id="3" name="内容占位符 2">
             <a:extLst>
               <a:ext uri="{FF2B5EF4-FFF2-40B4-BE49-F238E27FC236}">
-                <a16:creationId xmlns:a16="http://schemas.microsoft.com/office/drawing/2014/main" id="{AF1FDAB4-81D1-BB69-1BA9-AF1FA86B4C9A}"/>
+                <a16:creationId xmlns:a16="http://schemas.microsoft.com/office/drawing/2014/main" id="{A3F9115B-5170-BACA-8A0D-A6EDDED3C32F}"/>
               </a:ext>
             </a:extLst>
           </p:cNvPr>
@@ -840,7 +840,7 @@
           <p:cNvPr id="4" name="日期占位符 3">
             <a:extLst>
               <a:ext uri="{FF2B5EF4-FFF2-40B4-BE49-F238E27FC236}">
-                <a16:creationId xmlns:a16="http://schemas.microsoft.com/office/drawing/2014/main" id="{42025EDB-D19F-A1CE-7249-F259580AE4C2}"/>
+                <a16:creationId xmlns:a16="http://schemas.microsoft.com/office/drawing/2014/main" id="{163958C3-B8ED-85D6-5652-4FC1BFC4757E}"/>
               </a:ext>
             </a:extLst>
           </p:cNvPr>
@@ -856,7 +856,7 @@
           <a:bodyPr/>
           <a:lstStyle/>
           <a:p>
-            <a:fld id="{60E3EE6E-C1CA-430B-9DB4-50C2B7C0EA87}" type="datetimeFigureOut">
+            <a:fld id="{1C38D296-3681-4B0B-B264-D7C99981520C}" type="datetimeFigureOut">
               <a:rPr lang="zh-CN" altLang="en-US" smtClean="0"/>
               <a:t>2024/3/10</a:t>
             </a:fld>
@@ -869,7 +869,7 @@
           <p:cNvPr id="5" name="页脚占位符 4">
             <a:extLst>
               <a:ext uri="{FF2B5EF4-FFF2-40B4-BE49-F238E27FC236}">
-                <a16:creationId xmlns:a16="http://schemas.microsoft.com/office/drawing/2014/main" id="{652A1F4C-6EEC-0A86-FADB-6A34C691DEA7}"/>
+                <a16:creationId xmlns:a16="http://schemas.microsoft.com/office/drawing/2014/main" id="{220544CD-760A-D4E6-891A-FF6C697B09FD}"/>
               </a:ext>
             </a:extLst>
           </p:cNvPr>
@@ -894,7 +894,7 @@
           <p:cNvPr id="6" name="灯片编号占位符 5">
             <a:extLst>
               <a:ext uri="{FF2B5EF4-FFF2-40B4-BE49-F238E27FC236}">
-                <a16:creationId xmlns:a16="http://schemas.microsoft.com/office/drawing/2014/main" id="{BC360152-F6BE-C904-7F6D-DA4D6A299FD9}"/>
+                <a16:creationId xmlns:a16="http://schemas.microsoft.com/office/drawing/2014/main" id="{D5BA7610-DAF0-6ED4-B9B0-67F80A34920C}"/>
               </a:ext>
             </a:extLst>
           </p:cNvPr>
@@ -910,7 +910,7 @@
           <a:bodyPr/>
           <a:lstStyle/>
           <a:p>
-            <a:fld id="{B7404E4A-409E-4F9C-9012-71EF3A63D874}" type="slidenum">
+            <a:fld id="{F2858023-4AA0-46C9-A5EC-6F18F1709990}" type="slidenum">
               <a:rPr lang="zh-CN" altLang="en-US" smtClean="0"/>
               <a:t>‹#›</a:t>
             </a:fld>
@@ -921,7 +921,7 @@
     </p:spTree>
     <p:extLst>
       <p:ext uri="{BB962C8B-B14F-4D97-AF65-F5344CB8AC3E}">
-        <p14:creationId xmlns:p14="http://schemas.microsoft.com/office/powerpoint/2010/main" val="2726770507"/>
+        <p14:creationId xmlns:p14="http://schemas.microsoft.com/office/powerpoint/2010/main" val="2076247759"/>
       </p:ext>
     </p:extLst>
   </p:cSld>
@@ -953,7 +953,7 @@
           <p:cNvPr id="2" name="标题 1">
             <a:extLst>
               <a:ext uri="{FF2B5EF4-FFF2-40B4-BE49-F238E27FC236}">
-                <a16:creationId xmlns:a16="http://schemas.microsoft.com/office/drawing/2014/main" id="{DDACA3EB-3029-18FB-5E2A-175029769AB1}"/>
+                <a16:creationId xmlns:a16="http://schemas.microsoft.com/office/drawing/2014/main" id="{54CE43E6-4FEF-FA7F-CF29-70E5DAF35891}"/>
               </a:ext>
             </a:extLst>
           </p:cNvPr>
@@ -990,7 +990,7 @@
           <p:cNvPr id="3" name="文本占位符 2">
             <a:extLst>
               <a:ext uri="{FF2B5EF4-FFF2-40B4-BE49-F238E27FC236}">
-                <a16:creationId xmlns:a16="http://schemas.microsoft.com/office/drawing/2014/main" id="{EE67462F-490F-E0F1-E8A9-A18949A4030F}"/>
+                <a16:creationId xmlns:a16="http://schemas.microsoft.com/office/drawing/2014/main" id="{8169640B-7276-DC9C-98EB-6C6025F098DA}"/>
               </a:ext>
             </a:extLst>
           </p:cNvPr>
@@ -1115,7 +1115,7 @@
           <p:cNvPr id="4" name="日期占位符 3">
             <a:extLst>
               <a:ext uri="{FF2B5EF4-FFF2-40B4-BE49-F238E27FC236}">
-                <a16:creationId xmlns:a16="http://schemas.microsoft.com/office/drawing/2014/main" id="{BA6CBC8E-083C-8D9C-A792-DB50F5BD81AB}"/>
+                <a16:creationId xmlns:a16="http://schemas.microsoft.com/office/drawing/2014/main" id="{385C3C7E-9A6B-73F6-B568-8199478DB541}"/>
               </a:ext>
             </a:extLst>
           </p:cNvPr>
@@ -1131,7 +1131,7 @@
           <a:bodyPr/>
           <a:lstStyle/>
           <a:p>
-            <a:fld id="{60E3EE6E-C1CA-430B-9DB4-50C2B7C0EA87}" type="datetimeFigureOut">
+            <a:fld id="{1C38D296-3681-4B0B-B264-D7C99981520C}" type="datetimeFigureOut">
               <a:rPr lang="zh-CN" altLang="en-US" smtClean="0"/>
               <a:t>2024/3/10</a:t>
             </a:fld>
@@ -1144,7 +1144,7 @@
           <p:cNvPr id="5" name="页脚占位符 4">
             <a:extLst>
               <a:ext uri="{FF2B5EF4-FFF2-40B4-BE49-F238E27FC236}">
-                <a16:creationId xmlns:a16="http://schemas.microsoft.com/office/drawing/2014/main" id="{6AE543D3-B48F-1CBD-CD8F-83DFD2489ACE}"/>
+                <a16:creationId xmlns:a16="http://schemas.microsoft.com/office/drawing/2014/main" id="{6E80F5A1-5EBB-AFFC-E5D1-1C153E6527E1}"/>
               </a:ext>
             </a:extLst>
           </p:cNvPr>
@@ -1169,7 +1169,7 @@
           <p:cNvPr id="6" name="灯片编号占位符 5">
             <a:extLst>
               <a:ext uri="{FF2B5EF4-FFF2-40B4-BE49-F238E27FC236}">
-                <a16:creationId xmlns:a16="http://schemas.microsoft.com/office/drawing/2014/main" id="{B16C6091-FCDA-3906-F1FC-F8362A589421}"/>
+                <a16:creationId xmlns:a16="http://schemas.microsoft.com/office/drawing/2014/main" id="{8FF834DE-5696-E3E0-01EF-6F78DC563E48}"/>
               </a:ext>
             </a:extLst>
           </p:cNvPr>
@@ -1185,7 +1185,7 @@
           <a:bodyPr/>
           <a:lstStyle/>
           <a:p>
-            <a:fld id="{B7404E4A-409E-4F9C-9012-71EF3A63D874}" type="slidenum">
+            <a:fld id="{F2858023-4AA0-46C9-A5EC-6F18F1709990}" type="slidenum">
               <a:rPr lang="zh-CN" altLang="en-US" smtClean="0"/>
               <a:t>‹#›</a:t>
             </a:fld>
@@ -1196,7 +1196,7 @@
     </p:spTree>
     <p:extLst>
       <p:ext uri="{BB962C8B-B14F-4D97-AF65-F5344CB8AC3E}">
-        <p14:creationId xmlns:p14="http://schemas.microsoft.com/office/powerpoint/2010/main" val="4225463294"/>
+        <p14:creationId xmlns:p14="http://schemas.microsoft.com/office/powerpoint/2010/main" val="903022933"/>
       </p:ext>
     </p:extLst>
   </p:cSld>
@@ -1228,7 +1228,7 @@
           <p:cNvPr id="2" name="标题 1">
             <a:extLst>
               <a:ext uri="{FF2B5EF4-FFF2-40B4-BE49-F238E27FC236}">
-                <a16:creationId xmlns:a16="http://schemas.microsoft.com/office/drawing/2014/main" id="{33682C6A-5DD3-70EE-6C51-1840A28481AB}"/>
+                <a16:creationId xmlns:a16="http://schemas.microsoft.com/office/drawing/2014/main" id="{80351DE1-B785-D4AB-2ADA-38D3413922D8}"/>
               </a:ext>
             </a:extLst>
           </p:cNvPr>
@@ -1256,7 +1256,7 @@
           <p:cNvPr id="3" name="内容占位符 2">
             <a:extLst>
               <a:ext uri="{FF2B5EF4-FFF2-40B4-BE49-F238E27FC236}">
-                <a16:creationId xmlns:a16="http://schemas.microsoft.com/office/drawing/2014/main" id="{DBD11A59-27A4-BC44-E645-6BC821CE3C0A}"/>
+                <a16:creationId xmlns:a16="http://schemas.microsoft.com/office/drawing/2014/main" id="{D59D54B7-B3F0-3056-574D-64257C3D6B2F}"/>
               </a:ext>
             </a:extLst>
           </p:cNvPr>
@@ -1318,7 +1318,7 @@
           <p:cNvPr id="4" name="内容占位符 3">
             <a:extLst>
               <a:ext uri="{FF2B5EF4-FFF2-40B4-BE49-F238E27FC236}">
-                <a16:creationId xmlns:a16="http://schemas.microsoft.com/office/drawing/2014/main" id="{98B702B5-B230-0D09-3BF6-E1304C95B9C2}"/>
+                <a16:creationId xmlns:a16="http://schemas.microsoft.com/office/drawing/2014/main" id="{63B1CFBD-56EE-A2F5-A0C4-9EE22A8FA2C0}"/>
               </a:ext>
             </a:extLst>
           </p:cNvPr>
@@ -1380,7 +1380,7 @@
           <p:cNvPr id="5" name="日期占位符 4">
             <a:extLst>
               <a:ext uri="{FF2B5EF4-FFF2-40B4-BE49-F238E27FC236}">
-                <a16:creationId xmlns:a16="http://schemas.microsoft.com/office/drawing/2014/main" id="{FBEF8C94-EF3B-C894-F449-535275A38BFC}"/>
+                <a16:creationId xmlns:a16="http://schemas.microsoft.com/office/drawing/2014/main" id="{289E13D6-8924-C586-ED82-9A208C374201}"/>
               </a:ext>
             </a:extLst>
           </p:cNvPr>
@@ -1396,7 +1396,7 @@
           <a:bodyPr/>
           <a:lstStyle/>
           <a:p>
-            <a:fld id="{60E3EE6E-C1CA-430B-9DB4-50C2B7C0EA87}" type="datetimeFigureOut">
+            <a:fld id="{1C38D296-3681-4B0B-B264-D7C99981520C}" type="datetimeFigureOut">
               <a:rPr lang="zh-CN" altLang="en-US" smtClean="0"/>
               <a:t>2024/3/10</a:t>
             </a:fld>
@@ -1409,7 +1409,7 @@
           <p:cNvPr id="6" name="页脚占位符 5">
             <a:extLst>
               <a:ext uri="{FF2B5EF4-FFF2-40B4-BE49-F238E27FC236}">
-                <a16:creationId xmlns:a16="http://schemas.microsoft.com/office/drawing/2014/main" id="{E97BB2E0-074B-B430-61E9-332A823F9A58}"/>
+                <a16:creationId xmlns:a16="http://schemas.microsoft.com/office/drawing/2014/main" id="{4B491368-D432-9090-796D-0CCBF9A93D32}"/>
               </a:ext>
             </a:extLst>
           </p:cNvPr>
@@ -1434,7 +1434,7 @@
           <p:cNvPr id="7" name="灯片编号占位符 6">
             <a:extLst>
               <a:ext uri="{FF2B5EF4-FFF2-40B4-BE49-F238E27FC236}">
-                <a16:creationId xmlns:a16="http://schemas.microsoft.com/office/drawing/2014/main" id="{19088382-A4BF-BA73-71D5-CA69084B0515}"/>
+                <a16:creationId xmlns:a16="http://schemas.microsoft.com/office/drawing/2014/main" id="{BCB773B6-9DD6-D96D-217B-90BCB242603C}"/>
               </a:ext>
             </a:extLst>
           </p:cNvPr>
@@ -1450,7 +1450,7 @@
           <a:bodyPr/>
           <a:lstStyle/>
           <a:p>
-            <a:fld id="{B7404E4A-409E-4F9C-9012-71EF3A63D874}" type="slidenum">
+            <a:fld id="{F2858023-4AA0-46C9-A5EC-6F18F1709990}" type="slidenum">
               <a:rPr lang="zh-CN" altLang="en-US" smtClean="0"/>
               <a:t>‹#›</a:t>
             </a:fld>
@@ -1461,7 +1461,7 @@
     </p:spTree>
     <p:extLst>
       <p:ext uri="{BB962C8B-B14F-4D97-AF65-F5344CB8AC3E}">
-        <p14:creationId xmlns:p14="http://schemas.microsoft.com/office/powerpoint/2010/main" val="3246819606"/>
+        <p14:creationId xmlns:p14="http://schemas.microsoft.com/office/powerpoint/2010/main" val="2555536102"/>
       </p:ext>
     </p:extLst>
   </p:cSld>
@@ -1493,7 +1493,7 @@
           <p:cNvPr id="2" name="标题 1">
             <a:extLst>
               <a:ext uri="{FF2B5EF4-FFF2-40B4-BE49-F238E27FC236}">
-                <a16:creationId xmlns:a16="http://schemas.microsoft.com/office/drawing/2014/main" id="{BE7C7672-7EB5-FB0B-09C4-E85383CC0458}"/>
+                <a16:creationId xmlns:a16="http://schemas.microsoft.com/office/drawing/2014/main" id="{0BA13A9E-E610-A040-9B3B-635F236B7812}"/>
               </a:ext>
             </a:extLst>
           </p:cNvPr>
@@ -1526,7 +1526,7 @@
           <p:cNvPr id="3" name="文本占位符 2">
             <a:extLst>
               <a:ext uri="{FF2B5EF4-FFF2-40B4-BE49-F238E27FC236}">
-                <a16:creationId xmlns:a16="http://schemas.microsoft.com/office/drawing/2014/main" id="{7A96988F-B5EB-A06F-2281-DB076A4C2F28}"/>
+                <a16:creationId xmlns:a16="http://schemas.microsoft.com/office/drawing/2014/main" id="{BBEA8D06-3AB5-5700-7456-95642467DAF1}"/>
               </a:ext>
             </a:extLst>
           </p:cNvPr>
@@ -1597,7 +1597,7 @@
           <p:cNvPr id="4" name="内容占位符 3">
             <a:extLst>
               <a:ext uri="{FF2B5EF4-FFF2-40B4-BE49-F238E27FC236}">
-                <a16:creationId xmlns:a16="http://schemas.microsoft.com/office/drawing/2014/main" id="{F8463998-78DC-33F1-5B66-82895906C192}"/>
+                <a16:creationId xmlns:a16="http://schemas.microsoft.com/office/drawing/2014/main" id="{603C627E-001B-0B31-0BE0-83796024A2C6}"/>
               </a:ext>
             </a:extLst>
           </p:cNvPr>
@@ -1659,7 +1659,7 @@
           <p:cNvPr id="5" name="文本占位符 4">
             <a:extLst>
               <a:ext uri="{FF2B5EF4-FFF2-40B4-BE49-F238E27FC236}">
-                <a16:creationId xmlns:a16="http://schemas.microsoft.com/office/drawing/2014/main" id="{55AEF49B-DC1F-7E54-04C2-D234A2F5B181}"/>
+                <a16:creationId xmlns:a16="http://schemas.microsoft.com/office/drawing/2014/main" id="{A4E0C7A8-4B77-7FF2-EA35-B66C46E735E3}"/>
               </a:ext>
             </a:extLst>
           </p:cNvPr>
@@ -1730,7 +1730,7 @@
           <p:cNvPr id="6" name="内容占位符 5">
             <a:extLst>
               <a:ext uri="{FF2B5EF4-FFF2-40B4-BE49-F238E27FC236}">
-                <a16:creationId xmlns:a16="http://schemas.microsoft.com/office/drawing/2014/main" id="{1925F78F-46CE-3472-6EF5-4F453160F927}"/>
+                <a16:creationId xmlns:a16="http://schemas.microsoft.com/office/drawing/2014/main" id="{CE8A6499-378F-28A6-510B-77596A219512}"/>
               </a:ext>
             </a:extLst>
           </p:cNvPr>
@@ -1792,7 +1792,7 @@
           <p:cNvPr id="7" name="日期占位符 6">
             <a:extLst>
               <a:ext uri="{FF2B5EF4-FFF2-40B4-BE49-F238E27FC236}">
-                <a16:creationId xmlns:a16="http://schemas.microsoft.com/office/drawing/2014/main" id="{B38D23E0-681E-1945-BDDF-74F4DEB04241}"/>
+                <a16:creationId xmlns:a16="http://schemas.microsoft.com/office/drawing/2014/main" id="{A647CFEF-D182-70DE-218A-30F583D4F66B}"/>
               </a:ext>
             </a:extLst>
           </p:cNvPr>
@@ -1808,7 +1808,7 @@
           <a:bodyPr/>
           <a:lstStyle/>
           <a:p>
-            <a:fld id="{60E3EE6E-C1CA-430B-9DB4-50C2B7C0EA87}" type="datetimeFigureOut">
+            <a:fld id="{1C38D296-3681-4B0B-B264-D7C99981520C}" type="datetimeFigureOut">
               <a:rPr lang="zh-CN" altLang="en-US" smtClean="0"/>
               <a:t>2024/3/10</a:t>
             </a:fld>
@@ -1821,7 +1821,7 @@
           <p:cNvPr id="8" name="页脚占位符 7">
             <a:extLst>
               <a:ext uri="{FF2B5EF4-FFF2-40B4-BE49-F238E27FC236}">
-                <a16:creationId xmlns:a16="http://schemas.microsoft.com/office/drawing/2014/main" id="{F373E131-FDA3-A00E-8BD2-43CCD6B4C58D}"/>
+                <a16:creationId xmlns:a16="http://schemas.microsoft.com/office/drawing/2014/main" id="{44BF62A0-F867-A543-8FBE-30C24ED8008A}"/>
               </a:ext>
             </a:extLst>
           </p:cNvPr>
@@ -1846,7 +1846,7 @@
           <p:cNvPr id="9" name="灯片编号占位符 8">
             <a:extLst>
               <a:ext uri="{FF2B5EF4-FFF2-40B4-BE49-F238E27FC236}">
-                <a16:creationId xmlns:a16="http://schemas.microsoft.com/office/drawing/2014/main" id="{C9881ADF-C817-5960-7D02-50B4D4BCEFDD}"/>
+                <a16:creationId xmlns:a16="http://schemas.microsoft.com/office/drawing/2014/main" id="{FFF8111F-CBF5-B4C5-1033-A0ADD4D84050}"/>
               </a:ext>
             </a:extLst>
           </p:cNvPr>
@@ -1862,7 +1862,7 @@
           <a:bodyPr/>
           <a:lstStyle/>
           <a:p>
-            <a:fld id="{B7404E4A-409E-4F9C-9012-71EF3A63D874}" type="slidenum">
+            <a:fld id="{F2858023-4AA0-46C9-A5EC-6F18F1709990}" type="slidenum">
               <a:rPr lang="zh-CN" altLang="en-US" smtClean="0"/>
               <a:t>‹#›</a:t>
             </a:fld>
@@ -1873,7 +1873,7 @@
     </p:spTree>
     <p:extLst>
       <p:ext uri="{BB962C8B-B14F-4D97-AF65-F5344CB8AC3E}">
-        <p14:creationId xmlns:p14="http://schemas.microsoft.com/office/powerpoint/2010/main" val="1271998518"/>
+        <p14:creationId xmlns:p14="http://schemas.microsoft.com/office/powerpoint/2010/main" val="2372727299"/>
       </p:ext>
     </p:extLst>
   </p:cSld>
@@ -1905,7 +1905,7 @@
           <p:cNvPr id="2" name="标题 1">
             <a:extLst>
               <a:ext uri="{FF2B5EF4-FFF2-40B4-BE49-F238E27FC236}">
-                <a16:creationId xmlns:a16="http://schemas.microsoft.com/office/drawing/2014/main" id="{1EF6674F-6972-0ABA-248B-38314464DA04}"/>
+                <a16:creationId xmlns:a16="http://schemas.microsoft.com/office/drawing/2014/main" id="{C5413544-627B-E315-9AC8-C4524471EE6D}"/>
               </a:ext>
             </a:extLst>
           </p:cNvPr>
@@ -1933,7 +1933,7 @@
           <p:cNvPr id="3" name="日期占位符 2">
             <a:extLst>
               <a:ext uri="{FF2B5EF4-FFF2-40B4-BE49-F238E27FC236}">
-                <a16:creationId xmlns:a16="http://schemas.microsoft.com/office/drawing/2014/main" id="{E3158941-85FA-45F5-426C-9BE8A61B9A40}"/>
+                <a16:creationId xmlns:a16="http://schemas.microsoft.com/office/drawing/2014/main" id="{F630642E-3232-7BC6-A866-F6C01855CA74}"/>
               </a:ext>
             </a:extLst>
           </p:cNvPr>
@@ -1949,7 +1949,7 @@
           <a:bodyPr/>
           <a:lstStyle/>
           <a:p>
-            <a:fld id="{60E3EE6E-C1CA-430B-9DB4-50C2B7C0EA87}" type="datetimeFigureOut">
+            <a:fld id="{1C38D296-3681-4B0B-B264-D7C99981520C}" type="datetimeFigureOut">
               <a:rPr lang="zh-CN" altLang="en-US" smtClean="0"/>
               <a:t>2024/3/10</a:t>
             </a:fld>
@@ -1962,7 +1962,7 @@
           <p:cNvPr id="4" name="页脚占位符 3">
             <a:extLst>
               <a:ext uri="{FF2B5EF4-FFF2-40B4-BE49-F238E27FC236}">
-                <a16:creationId xmlns:a16="http://schemas.microsoft.com/office/drawing/2014/main" id="{427D73CE-6921-D3DB-85F1-1A3BA07EA42B}"/>
+                <a16:creationId xmlns:a16="http://schemas.microsoft.com/office/drawing/2014/main" id="{BA647AAF-0078-20DD-3212-C665B052374C}"/>
               </a:ext>
             </a:extLst>
           </p:cNvPr>
@@ -1987,7 +1987,7 @@
           <p:cNvPr id="5" name="灯片编号占位符 4">
             <a:extLst>
               <a:ext uri="{FF2B5EF4-FFF2-40B4-BE49-F238E27FC236}">
-                <a16:creationId xmlns:a16="http://schemas.microsoft.com/office/drawing/2014/main" id="{E4D56045-B3FF-E093-B07E-C13D0A7E5C38}"/>
+                <a16:creationId xmlns:a16="http://schemas.microsoft.com/office/drawing/2014/main" id="{5FC4F7D7-83A5-AB71-51F8-B89A18FD7080}"/>
               </a:ext>
             </a:extLst>
           </p:cNvPr>
@@ -2003,7 +2003,7 @@
           <a:bodyPr/>
           <a:lstStyle/>
           <a:p>
-            <a:fld id="{B7404E4A-409E-4F9C-9012-71EF3A63D874}" type="slidenum">
+            <a:fld id="{F2858023-4AA0-46C9-A5EC-6F18F1709990}" type="slidenum">
               <a:rPr lang="zh-CN" altLang="en-US" smtClean="0"/>
               <a:t>‹#›</a:t>
             </a:fld>
@@ -2014,7 +2014,7 @@
     </p:spTree>
     <p:extLst>
       <p:ext uri="{BB962C8B-B14F-4D97-AF65-F5344CB8AC3E}">
-        <p14:creationId xmlns:p14="http://schemas.microsoft.com/office/powerpoint/2010/main" val="330629870"/>
+        <p14:creationId xmlns:p14="http://schemas.microsoft.com/office/powerpoint/2010/main" val="246600414"/>
       </p:ext>
     </p:extLst>
   </p:cSld>
@@ -2046,7 +2046,7 @@
           <p:cNvPr id="2" name="日期占位符 1">
             <a:extLst>
               <a:ext uri="{FF2B5EF4-FFF2-40B4-BE49-F238E27FC236}">
-                <a16:creationId xmlns:a16="http://schemas.microsoft.com/office/drawing/2014/main" id="{9D693A37-F267-D651-1AD2-5778EBB0DCDF}"/>
+                <a16:creationId xmlns:a16="http://schemas.microsoft.com/office/drawing/2014/main" id="{15E99CA4-75E1-6AEE-94CB-549AF41F8095}"/>
               </a:ext>
             </a:extLst>
           </p:cNvPr>
@@ -2062,7 +2062,7 @@
           <a:bodyPr/>
           <a:lstStyle/>
           <a:p>
-            <a:fld id="{60E3EE6E-C1CA-430B-9DB4-50C2B7C0EA87}" type="datetimeFigureOut">
+            <a:fld id="{1C38D296-3681-4B0B-B264-D7C99981520C}" type="datetimeFigureOut">
               <a:rPr lang="zh-CN" altLang="en-US" smtClean="0"/>
               <a:t>2024/3/10</a:t>
             </a:fld>
@@ -2075,7 +2075,7 @@
           <p:cNvPr id="3" name="页脚占位符 2">
             <a:extLst>
               <a:ext uri="{FF2B5EF4-FFF2-40B4-BE49-F238E27FC236}">
-                <a16:creationId xmlns:a16="http://schemas.microsoft.com/office/drawing/2014/main" id="{09AED74D-A9F3-52AA-524E-38ECCE74A44F}"/>
+                <a16:creationId xmlns:a16="http://schemas.microsoft.com/office/drawing/2014/main" id="{1D135EFA-6A94-6DE5-D4FE-C7C9A5BA9510}"/>
               </a:ext>
             </a:extLst>
           </p:cNvPr>
@@ -2100,7 +2100,7 @@
           <p:cNvPr id="4" name="灯片编号占位符 3">
             <a:extLst>
               <a:ext uri="{FF2B5EF4-FFF2-40B4-BE49-F238E27FC236}">
-                <a16:creationId xmlns:a16="http://schemas.microsoft.com/office/drawing/2014/main" id="{09600B73-A26E-B89E-D4D2-A383F60F7E47}"/>
+                <a16:creationId xmlns:a16="http://schemas.microsoft.com/office/drawing/2014/main" id="{D777497A-D417-6DCD-D67B-04AEF8E81362}"/>
               </a:ext>
             </a:extLst>
           </p:cNvPr>
@@ -2116,7 +2116,7 @@
           <a:bodyPr/>
           <a:lstStyle/>
           <a:p>
-            <a:fld id="{B7404E4A-409E-4F9C-9012-71EF3A63D874}" type="slidenum">
+            <a:fld id="{F2858023-4AA0-46C9-A5EC-6F18F1709990}" type="slidenum">
               <a:rPr lang="zh-CN" altLang="en-US" smtClean="0"/>
               <a:t>‹#›</a:t>
             </a:fld>
@@ -2127,7 +2127,7 @@
     </p:spTree>
     <p:extLst>
       <p:ext uri="{BB962C8B-B14F-4D97-AF65-F5344CB8AC3E}">
-        <p14:creationId xmlns:p14="http://schemas.microsoft.com/office/powerpoint/2010/main" val="3661146228"/>
+        <p14:creationId xmlns:p14="http://schemas.microsoft.com/office/powerpoint/2010/main" val="92416335"/>
       </p:ext>
     </p:extLst>
   </p:cSld>
@@ -2159,7 +2159,7 @@
           <p:cNvPr id="2" name="标题 1">
             <a:extLst>
               <a:ext uri="{FF2B5EF4-FFF2-40B4-BE49-F238E27FC236}">
-                <a16:creationId xmlns:a16="http://schemas.microsoft.com/office/drawing/2014/main" id="{475E654E-D414-3D56-AD86-8FA2C25B28C7}"/>
+                <a16:creationId xmlns:a16="http://schemas.microsoft.com/office/drawing/2014/main" id="{40592FCD-E2F2-A94B-51E9-BCBBE50C4754}"/>
               </a:ext>
             </a:extLst>
           </p:cNvPr>
@@ -2196,7 +2196,7 @@
           <p:cNvPr id="3" name="内容占位符 2">
             <a:extLst>
               <a:ext uri="{FF2B5EF4-FFF2-40B4-BE49-F238E27FC236}">
-                <a16:creationId xmlns:a16="http://schemas.microsoft.com/office/drawing/2014/main" id="{6387A14F-2E6A-07CA-C40E-D67CA4777809}"/>
+                <a16:creationId xmlns:a16="http://schemas.microsoft.com/office/drawing/2014/main" id="{B12CD9B8-4DE5-A69C-856B-64A4AF5B1934}"/>
               </a:ext>
             </a:extLst>
           </p:cNvPr>
@@ -2286,7 +2286,7 @@
           <p:cNvPr id="4" name="文本占位符 3">
             <a:extLst>
               <a:ext uri="{FF2B5EF4-FFF2-40B4-BE49-F238E27FC236}">
-                <a16:creationId xmlns:a16="http://schemas.microsoft.com/office/drawing/2014/main" id="{5FE78B47-2A17-3E9F-4437-2192AD240642}"/>
+                <a16:creationId xmlns:a16="http://schemas.microsoft.com/office/drawing/2014/main" id="{DAE378E4-7C4A-070B-4F48-891BACC07179}"/>
               </a:ext>
             </a:extLst>
           </p:cNvPr>
@@ -2357,7 +2357,7 @@
           <p:cNvPr id="5" name="日期占位符 4">
             <a:extLst>
               <a:ext uri="{FF2B5EF4-FFF2-40B4-BE49-F238E27FC236}">
-                <a16:creationId xmlns:a16="http://schemas.microsoft.com/office/drawing/2014/main" id="{463862C0-AB4D-96B1-D11B-C395AA6836D5}"/>
+                <a16:creationId xmlns:a16="http://schemas.microsoft.com/office/drawing/2014/main" id="{AFDA7FC4-241C-D733-6327-4B53DBF9B734}"/>
               </a:ext>
             </a:extLst>
           </p:cNvPr>
@@ -2373,7 +2373,7 @@
           <a:bodyPr/>
           <a:lstStyle/>
           <a:p>
-            <a:fld id="{60E3EE6E-C1CA-430B-9DB4-50C2B7C0EA87}" type="datetimeFigureOut">
+            <a:fld id="{1C38D296-3681-4B0B-B264-D7C99981520C}" type="datetimeFigureOut">
               <a:rPr lang="zh-CN" altLang="en-US" smtClean="0"/>
               <a:t>2024/3/10</a:t>
             </a:fld>
@@ -2386,7 +2386,7 @@
           <p:cNvPr id="6" name="页脚占位符 5">
             <a:extLst>
               <a:ext uri="{FF2B5EF4-FFF2-40B4-BE49-F238E27FC236}">
-                <a16:creationId xmlns:a16="http://schemas.microsoft.com/office/drawing/2014/main" id="{857D4C61-BC5F-4D55-8A14-B10ED80C5F9B}"/>
+                <a16:creationId xmlns:a16="http://schemas.microsoft.com/office/drawing/2014/main" id="{FEBF095A-8909-71B2-AEB6-3BD495C0BADD}"/>
               </a:ext>
             </a:extLst>
           </p:cNvPr>
@@ -2411,7 +2411,7 @@
           <p:cNvPr id="7" name="灯片编号占位符 6">
             <a:extLst>
               <a:ext uri="{FF2B5EF4-FFF2-40B4-BE49-F238E27FC236}">
-                <a16:creationId xmlns:a16="http://schemas.microsoft.com/office/drawing/2014/main" id="{C47DA008-1DA6-6B94-D7EC-CA186B23A90C}"/>
+                <a16:creationId xmlns:a16="http://schemas.microsoft.com/office/drawing/2014/main" id="{F8FFFFDA-9C4C-07FD-A4BE-A8F1CDE278EE}"/>
               </a:ext>
             </a:extLst>
           </p:cNvPr>
@@ -2427,7 +2427,7 @@
           <a:bodyPr/>
           <a:lstStyle/>
           <a:p>
-            <a:fld id="{B7404E4A-409E-4F9C-9012-71EF3A63D874}" type="slidenum">
+            <a:fld id="{F2858023-4AA0-46C9-A5EC-6F18F1709990}" type="slidenum">
               <a:rPr lang="zh-CN" altLang="en-US" smtClean="0"/>
               <a:t>‹#›</a:t>
             </a:fld>
@@ -2438,7 +2438,7 @@
     </p:spTree>
     <p:extLst>
       <p:ext uri="{BB962C8B-B14F-4D97-AF65-F5344CB8AC3E}">
-        <p14:creationId xmlns:p14="http://schemas.microsoft.com/office/powerpoint/2010/main" val="1771900393"/>
+        <p14:creationId xmlns:p14="http://schemas.microsoft.com/office/powerpoint/2010/main" val="3100589584"/>
       </p:ext>
     </p:extLst>
   </p:cSld>
@@ -2470,7 +2470,7 @@
           <p:cNvPr id="2" name="标题 1">
             <a:extLst>
               <a:ext uri="{FF2B5EF4-FFF2-40B4-BE49-F238E27FC236}">
-                <a16:creationId xmlns:a16="http://schemas.microsoft.com/office/drawing/2014/main" id="{B0A9E3E9-5438-0685-F348-29CEFA8B9605}"/>
+                <a16:creationId xmlns:a16="http://schemas.microsoft.com/office/drawing/2014/main" id="{51483788-D311-CED1-DC96-A403032EEE75}"/>
               </a:ext>
             </a:extLst>
           </p:cNvPr>
@@ -2507,7 +2507,7 @@
           <p:cNvPr id="3" name="图片占位符 2">
             <a:extLst>
               <a:ext uri="{FF2B5EF4-FFF2-40B4-BE49-F238E27FC236}">
-                <a16:creationId xmlns:a16="http://schemas.microsoft.com/office/drawing/2014/main" id="{85EA405B-CA3C-22BE-E068-3F332684C4CC}"/>
+                <a16:creationId xmlns:a16="http://schemas.microsoft.com/office/drawing/2014/main" id="{62A75290-5619-19A4-6D22-6F29BFFF1FF1}"/>
               </a:ext>
             </a:extLst>
           </p:cNvPr>
@@ -2574,7 +2574,7 @@
           <p:cNvPr id="4" name="文本占位符 3">
             <a:extLst>
               <a:ext uri="{FF2B5EF4-FFF2-40B4-BE49-F238E27FC236}">
-                <a16:creationId xmlns:a16="http://schemas.microsoft.com/office/drawing/2014/main" id="{A48586D9-1ED7-A5C2-7313-702DF11386D3}"/>
+                <a16:creationId xmlns:a16="http://schemas.microsoft.com/office/drawing/2014/main" id="{42368F4A-EE16-5014-78BD-22A3D4AD1F67}"/>
               </a:ext>
             </a:extLst>
           </p:cNvPr>
@@ -2645,7 +2645,7 @@
           <p:cNvPr id="5" name="日期占位符 4">
             <a:extLst>
               <a:ext uri="{FF2B5EF4-FFF2-40B4-BE49-F238E27FC236}">
-                <a16:creationId xmlns:a16="http://schemas.microsoft.com/office/drawing/2014/main" id="{8075E60E-6F6C-5C91-59CF-615D8BEFF7AD}"/>
+                <a16:creationId xmlns:a16="http://schemas.microsoft.com/office/drawing/2014/main" id="{AA7E397D-F928-DDB3-8C31-4F19F9C83B66}"/>
               </a:ext>
             </a:extLst>
           </p:cNvPr>
@@ -2661,7 +2661,7 @@
           <a:bodyPr/>
           <a:lstStyle/>
           <a:p>
-            <a:fld id="{60E3EE6E-C1CA-430B-9DB4-50C2B7C0EA87}" type="datetimeFigureOut">
+            <a:fld id="{1C38D296-3681-4B0B-B264-D7C99981520C}" type="datetimeFigureOut">
               <a:rPr lang="zh-CN" altLang="en-US" smtClean="0"/>
               <a:t>2024/3/10</a:t>
             </a:fld>
@@ -2674,7 +2674,7 @@
           <p:cNvPr id="6" name="页脚占位符 5">
             <a:extLst>
               <a:ext uri="{FF2B5EF4-FFF2-40B4-BE49-F238E27FC236}">
-                <a16:creationId xmlns:a16="http://schemas.microsoft.com/office/drawing/2014/main" id="{CEA05A49-CA64-5056-14D0-B967406BE34F}"/>
+                <a16:creationId xmlns:a16="http://schemas.microsoft.com/office/drawing/2014/main" id="{CB98165C-7ED9-349F-0F2B-833FBE2A9AB5}"/>
               </a:ext>
             </a:extLst>
           </p:cNvPr>
@@ -2699,7 +2699,7 @@
           <p:cNvPr id="7" name="灯片编号占位符 6">
             <a:extLst>
               <a:ext uri="{FF2B5EF4-FFF2-40B4-BE49-F238E27FC236}">
-                <a16:creationId xmlns:a16="http://schemas.microsoft.com/office/drawing/2014/main" id="{41514503-1849-4099-2AEE-F230CDEDA380}"/>
+                <a16:creationId xmlns:a16="http://schemas.microsoft.com/office/drawing/2014/main" id="{39746413-7A74-F1D1-7E60-0FA9CD534FBA}"/>
               </a:ext>
             </a:extLst>
           </p:cNvPr>
@@ -2715,7 +2715,7 @@
           <a:bodyPr/>
           <a:lstStyle/>
           <a:p>
-            <a:fld id="{B7404E4A-409E-4F9C-9012-71EF3A63D874}" type="slidenum">
+            <a:fld id="{F2858023-4AA0-46C9-A5EC-6F18F1709990}" type="slidenum">
               <a:rPr lang="zh-CN" altLang="en-US" smtClean="0"/>
               <a:t>‹#›</a:t>
             </a:fld>
@@ -2726,7 +2726,7 @@
     </p:spTree>
     <p:extLst>
       <p:ext uri="{BB962C8B-B14F-4D97-AF65-F5344CB8AC3E}">
-        <p14:creationId xmlns:p14="http://schemas.microsoft.com/office/powerpoint/2010/main" val="759235614"/>
+        <p14:creationId xmlns:p14="http://schemas.microsoft.com/office/powerpoint/2010/main" val="804932735"/>
       </p:ext>
     </p:extLst>
   </p:cSld>
@@ -2763,7 +2763,7 @@
           <p:cNvPr id="2" name="标题占位符 1">
             <a:extLst>
               <a:ext uri="{FF2B5EF4-FFF2-40B4-BE49-F238E27FC236}">
-                <a16:creationId xmlns:a16="http://schemas.microsoft.com/office/drawing/2014/main" id="{D652F10D-2172-6C8D-FDD3-4AE8D47B78D9}"/>
+                <a16:creationId xmlns:a16="http://schemas.microsoft.com/office/drawing/2014/main" id="{4CB5DB3A-B6E8-3CA8-16C7-D34AFB30099E}"/>
               </a:ext>
             </a:extLst>
           </p:cNvPr>
@@ -2801,7 +2801,7 @@
           <p:cNvPr id="3" name="文本占位符 2">
             <a:extLst>
               <a:ext uri="{FF2B5EF4-FFF2-40B4-BE49-F238E27FC236}">
-                <a16:creationId xmlns:a16="http://schemas.microsoft.com/office/drawing/2014/main" id="{00109074-C01A-374C-B384-9B6D4EC53532}"/>
+                <a16:creationId xmlns:a16="http://schemas.microsoft.com/office/drawing/2014/main" id="{C69E8FA8-443C-D49A-A526-ECF1CB67417C}"/>
               </a:ext>
             </a:extLst>
           </p:cNvPr>
@@ -2868,7 +2868,7 @@
           <p:cNvPr id="4" name="日期占位符 3">
             <a:extLst>
               <a:ext uri="{FF2B5EF4-FFF2-40B4-BE49-F238E27FC236}">
-                <a16:creationId xmlns:a16="http://schemas.microsoft.com/office/drawing/2014/main" id="{3D96ECFE-5D24-451E-F3EA-4F8A4DC22E71}"/>
+                <a16:creationId xmlns:a16="http://schemas.microsoft.com/office/drawing/2014/main" id="{69B639AD-BFEE-0791-9166-9347FAE4C6AA}"/>
               </a:ext>
             </a:extLst>
           </p:cNvPr>
@@ -2902,7 +2902,7 @@
             </a:lvl1pPr>
           </a:lstStyle>
           <a:p>
-            <a:fld id="{60E3EE6E-C1CA-430B-9DB4-50C2B7C0EA87}" type="datetimeFigureOut">
+            <a:fld id="{1C38D296-3681-4B0B-B264-D7C99981520C}" type="datetimeFigureOut">
               <a:rPr lang="zh-CN" altLang="en-US" smtClean="0"/>
               <a:t>2024/3/10</a:t>
             </a:fld>
@@ -2915,7 +2915,7 @@
           <p:cNvPr id="5" name="页脚占位符 4">
             <a:extLst>
               <a:ext uri="{FF2B5EF4-FFF2-40B4-BE49-F238E27FC236}">
-                <a16:creationId xmlns:a16="http://schemas.microsoft.com/office/drawing/2014/main" id="{E82F4DF0-C41F-C6D4-19A9-60B4F1FE6286}"/>
+                <a16:creationId xmlns:a16="http://schemas.microsoft.com/office/drawing/2014/main" id="{32D86941-0EED-30DB-CE16-C373A80AC195}"/>
               </a:ext>
             </a:extLst>
           </p:cNvPr>
@@ -2958,7 +2958,7 @@
           <p:cNvPr id="6" name="灯片编号占位符 5">
             <a:extLst>
               <a:ext uri="{FF2B5EF4-FFF2-40B4-BE49-F238E27FC236}">
-                <a16:creationId xmlns:a16="http://schemas.microsoft.com/office/drawing/2014/main" id="{2A762365-8772-61AB-55D0-2C5421C75D6F}"/>
+                <a16:creationId xmlns:a16="http://schemas.microsoft.com/office/drawing/2014/main" id="{262745FE-CEB0-6793-0191-9886D98395B1}"/>
               </a:ext>
             </a:extLst>
           </p:cNvPr>
@@ -2992,7 +2992,7 @@
             </a:lvl1pPr>
           </a:lstStyle>
           <a:p>
-            <a:fld id="{B7404E4A-409E-4F9C-9012-71EF3A63D874}" type="slidenum">
+            <a:fld id="{F2858023-4AA0-46C9-A5EC-6F18F1709990}" type="slidenum">
               <a:rPr lang="zh-CN" altLang="en-US" smtClean="0"/>
               <a:t>‹#›</a:t>
             </a:fld>
@@ -3003,7 +3003,7 @@
     </p:spTree>
     <p:extLst>
       <p:ext uri="{BB962C8B-B14F-4D97-AF65-F5344CB8AC3E}">
-        <p14:creationId xmlns:p14="http://schemas.microsoft.com/office/powerpoint/2010/main" val="915399819"/>
+        <p14:creationId xmlns:p14="http://schemas.microsoft.com/office/powerpoint/2010/main" val="4070753246"/>
       </p:ext>
     </p:extLst>
   </p:cSld>
@@ -3323,7 +3323,7 @@
       </p:grpSpPr>
       <p:pic>
         <p:nvPicPr>
-          <p:cNvPr id="366594" name="Picture 2" descr="357"/>
+          <p:cNvPr id="367618" name="Picture 2" descr="358"/>
           <p:cNvPicPr>
             <a:picLocks noChangeAspect="1" noChangeArrowheads="1"/>
           </p:cNvPicPr>
@@ -3345,7 +3345,7 @@
         <p:spPr bwMode="auto">
           <a:xfrm>
             <a:off x="1524000" y="0"/>
-            <a:ext cx="9144000" cy="6453188"/>
+            <a:ext cx="9144000" cy="6858000"/>
           </a:xfrm>
           <a:prstGeom prst="rect">
             <a:avLst/>
